--- a/RETEX/projet web.pptx
+++ b/RETEX/projet web.pptx
@@ -241,7 +241,7 @@
           <a:p>
             <a:fld id="{CB44C220-8036-4CA1-9847-CBEE47DB7BC6}" type="datetimeFigureOut">
               <a:rPr lang="fr-FR" smtClean="0"/>
-              <a:t>10/04/2022</a:t>
+              <a:t>12/04/2022</a:t>
             </a:fld>
             <a:endParaRPr lang="fr-FR"/>
           </a:p>
@@ -409,7 +409,7 @@
           <a:p>
             <a:fld id="{CB44C220-8036-4CA1-9847-CBEE47DB7BC6}" type="datetimeFigureOut">
               <a:rPr lang="fr-FR" smtClean="0"/>
-              <a:t>10/04/2022</a:t>
+              <a:t>12/04/2022</a:t>
             </a:fld>
             <a:endParaRPr lang="fr-FR"/>
           </a:p>
@@ -587,7 +587,7 @@
           <a:p>
             <a:fld id="{CB44C220-8036-4CA1-9847-CBEE47DB7BC6}" type="datetimeFigureOut">
               <a:rPr lang="fr-FR" smtClean="0"/>
-              <a:t>10/04/2022</a:t>
+              <a:t>12/04/2022</a:t>
             </a:fld>
             <a:endParaRPr lang="fr-FR"/>
           </a:p>
@@ -755,7 +755,7 @@
           <a:p>
             <a:fld id="{CB44C220-8036-4CA1-9847-CBEE47DB7BC6}" type="datetimeFigureOut">
               <a:rPr lang="fr-FR" smtClean="0"/>
-              <a:t>10/04/2022</a:t>
+              <a:t>12/04/2022</a:t>
             </a:fld>
             <a:endParaRPr lang="fr-FR"/>
           </a:p>
@@ -1000,7 +1000,7 @@
           <a:p>
             <a:fld id="{CB44C220-8036-4CA1-9847-CBEE47DB7BC6}" type="datetimeFigureOut">
               <a:rPr lang="fr-FR" smtClean="0"/>
-              <a:t>10/04/2022</a:t>
+              <a:t>12/04/2022</a:t>
             </a:fld>
             <a:endParaRPr lang="fr-FR"/>
           </a:p>
@@ -1229,7 +1229,7 @@
           <a:p>
             <a:fld id="{CB44C220-8036-4CA1-9847-CBEE47DB7BC6}" type="datetimeFigureOut">
               <a:rPr lang="fr-FR" smtClean="0"/>
-              <a:t>10/04/2022</a:t>
+              <a:t>12/04/2022</a:t>
             </a:fld>
             <a:endParaRPr lang="fr-FR"/>
           </a:p>
@@ -1593,7 +1593,7 @@
           <a:p>
             <a:fld id="{CB44C220-8036-4CA1-9847-CBEE47DB7BC6}" type="datetimeFigureOut">
               <a:rPr lang="fr-FR" smtClean="0"/>
-              <a:t>10/04/2022</a:t>
+              <a:t>12/04/2022</a:t>
             </a:fld>
             <a:endParaRPr lang="fr-FR"/>
           </a:p>
@@ -1710,7 +1710,7 @@
           <a:p>
             <a:fld id="{CB44C220-8036-4CA1-9847-CBEE47DB7BC6}" type="datetimeFigureOut">
               <a:rPr lang="fr-FR" smtClean="0"/>
-              <a:t>10/04/2022</a:t>
+              <a:t>12/04/2022</a:t>
             </a:fld>
             <a:endParaRPr lang="fr-FR"/>
           </a:p>
@@ -1805,7 +1805,7 @@
           <a:p>
             <a:fld id="{CB44C220-8036-4CA1-9847-CBEE47DB7BC6}" type="datetimeFigureOut">
               <a:rPr lang="fr-FR" smtClean="0"/>
-              <a:t>10/04/2022</a:t>
+              <a:t>12/04/2022</a:t>
             </a:fld>
             <a:endParaRPr lang="fr-FR"/>
           </a:p>
@@ -2080,7 +2080,7 @@
           <a:p>
             <a:fld id="{CB44C220-8036-4CA1-9847-CBEE47DB7BC6}" type="datetimeFigureOut">
               <a:rPr lang="fr-FR" smtClean="0"/>
-              <a:t>10/04/2022</a:t>
+              <a:t>12/04/2022</a:t>
             </a:fld>
             <a:endParaRPr lang="fr-FR"/>
           </a:p>
@@ -2332,7 +2332,7 @@
           <a:p>
             <a:fld id="{CB44C220-8036-4CA1-9847-CBEE47DB7BC6}" type="datetimeFigureOut">
               <a:rPr lang="fr-FR" smtClean="0"/>
-              <a:t>10/04/2022</a:t>
+              <a:t>12/04/2022</a:t>
             </a:fld>
             <a:endParaRPr lang="fr-FR"/>
           </a:p>
@@ -2543,7 +2543,7 @@
           <a:p>
             <a:fld id="{CB44C220-8036-4CA1-9847-CBEE47DB7BC6}" type="datetimeFigureOut">
               <a:rPr lang="fr-FR" smtClean="0"/>
-              <a:t>10/04/2022</a:t>
+              <a:t>12/04/2022</a:t>
             </a:fld>
             <a:endParaRPr lang="fr-FR"/>
           </a:p>
@@ -2936,9 +2936,15 @@
   <p:cSld>
     <p:bg>
       <p:bgPr>
-        <a:solidFill>
-          <a:schemeClr val="tx1"/>
-        </a:solidFill>
+        <a:blipFill dpi="0" rotWithShape="1">
+          <a:blip r:embed="rId2">
+            <a:lum/>
+          </a:blip>
+          <a:srcRect/>
+          <a:stretch>
+            <a:fillRect/>
+          </a:stretch>
+        </a:blipFill>
         <a:effectLst/>
       </p:bgPr>
     </p:bg>
@@ -3048,7 +3054,7 @@
           </a:p>
         </p:txBody>
       </p:sp>
-      <p:sp useBgFill="1">
+      <p:sp>
         <p:nvSpPr>
           <p:cNvPr id="6" name="Rectangle 5"/>
           <p:cNvSpPr/>
@@ -3062,6 +3068,7 @@
           <a:prstGeom prst="rect">
             <a:avLst/>
           </a:prstGeom>
+          <a:noFill/>
         </p:spPr>
         <p:txBody>
           <a:bodyPr wrap="square">
@@ -3087,7 +3094,7 @@
           </a:p>
         </p:txBody>
       </p:sp>
-      <p:sp useBgFill="1">
+      <p:sp>
         <p:nvSpPr>
           <p:cNvPr id="7" name="Rectangle 6"/>
           <p:cNvSpPr/>
@@ -3101,6 +3108,7 @@
           <a:prstGeom prst="rect">
             <a:avLst/>
           </a:prstGeom>
+          <a:noFill/>
         </p:spPr>
         <p:txBody>
           <a:bodyPr wrap="square">
@@ -3120,7 +3128,7 @@
           </a:p>
         </p:txBody>
       </p:sp>
-      <p:sp useBgFill="1">
+      <p:sp>
         <p:nvSpPr>
           <p:cNvPr id="8" name="Rectangle 7"/>
           <p:cNvSpPr/>
@@ -3134,6 +3142,7 @@
           <a:prstGeom prst="rect">
             <a:avLst/>
           </a:prstGeom>
+          <a:noFill/>
         </p:spPr>
         <p:txBody>
           <a:bodyPr wrap="square">
@@ -3159,7 +3168,7 @@
           </a:p>
         </p:txBody>
       </p:sp>
-      <p:sp useBgFill="1">
+      <p:sp>
         <p:nvSpPr>
           <p:cNvPr id="9" name="Rectangle 8"/>
           <p:cNvSpPr/>
@@ -3173,6 +3182,7 @@
           <a:prstGeom prst="rect">
             <a:avLst/>
           </a:prstGeom>
+          <a:noFill/>
         </p:spPr>
         <p:txBody>
           <a:bodyPr wrap="square">
@@ -3226,7 +3236,7 @@
                   <a:schemeClr val="bg1"/>
                 </a:solidFill>
               </a:rPr>
-              <a:t>Titre</a:t>
+              <a:t>Projet développement site WEB</a:t>
             </a:r>
             <a:endParaRPr lang="fr-FR" sz="3600" dirty="0">
               <a:solidFill>
@@ -3244,7 +3254,7 @@
         </p:nvSpPr>
         <p:spPr>
           <a:xfrm>
-            <a:off x="21236" y="3586917"/>
+            <a:off x="0" y="3527147"/>
             <a:ext cx="12192002" cy="45719"/>
           </a:xfrm>
           <a:prstGeom prst="rect">
@@ -3279,6 +3289,235 @@
           <a:p>
             <a:pPr algn="ctr"/>
             <a:endParaRPr lang="fr-FR"/>
+          </a:p>
+        </p:txBody>
+      </p:sp>
+      <p:sp>
+        <p:nvSpPr>
+          <p:cNvPr id="13" name="Rectangle 12">
+            <a:extLst>
+              <a:ext uri="{FF2B5EF4-FFF2-40B4-BE49-F238E27FC236}">
+                <a16:creationId xmlns:a16="http://schemas.microsoft.com/office/drawing/2014/main" id="{85B347C9-66DD-4AD5-8E88-8BB20B3B8718}"/>
+              </a:ext>
+            </a:extLst>
+          </p:cNvPr>
+          <p:cNvSpPr/>
+          <p:nvPr/>
+        </p:nvSpPr>
+        <p:spPr>
+          <a:xfrm>
+            <a:off x="89815" y="1458041"/>
+            <a:ext cx="6074763" cy="1200329"/>
+          </a:xfrm>
+          <a:prstGeom prst="rect">
+            <a:avLst/>
+          </a:prstGeom>
+          <a:noFill/>
+        </p:spPr>
+        <p:txBody>
+          <a:bodyPr wrap="square">
+            <a:spAutoFit/>
+          </a:bodyPr>
+          <a:lstStyle/>
+          <a:p>
+            <a:pPr algn="ctr"/>
+            <a:r>
+              <a:rPr lang="fr-FR" b="0" i="0" dirty="0">
+                <a:solidFill>
+                  <a:schemeClr val="bg1"/>
+                </a:solidFill>
+                <a:effectLst/>
+                <a:latin typeface="Poppins"/>
+              </a:rPr>
+              <a:t>Dans ce projet, nous devions réaliser par binôme, un site WEB qui représente la page d’accueil de l’entreprise fictive que nous avions créée cette an</a:t>
+            </a:r>
+            <a:r>
+              <a:rPr lang="fr-FR" dirty="0">
+                <a:solidFill>
+                  <a:schemeClr val="bg1"/>
+                </a:solidFill>
+                <a:latin typeface="Poppins"/>
+              </a:rPr>
+              <a:t>née.</a:t>
+            </a:r>
+            <a:endParaRPr lang="fr-FR" b="1" u="sng" dirty="0">
+              <a:solidFill>
+                <a:schemeClr val="bg1"/>
+              </a:solidFill>
+            </a:endParaRPr>
+          </a:p>
+        </p:txBody>
+      </p:sp>
+      <p:pic>
+        <p:nvPicPr>
+          <p:cNvPr id="14" name="Image 13">
+            <a:extLst>
+              <a:ext uri="{FF2B5EF4-FFF2-40B4-BE49-F238E27FC236}">
+                <a16:creationId xmlns:a16="http://schemas.microsoft.com/office/drawing/2014/main" id="{1592CF8B-5C91-4B85-A000-A8DFE4B15C52}"/>
+              </a:ext>
+            </a:extLst>
+          </p:cNvPr>
+          <p:cNvPicPr>
+            <a:picLocks noChangeAspect="1"/>
+          </p:cNvPicPr>
+          <p:nvPr/>
+        </p:nvPicPr>
+        <p:blipFill>
+          <a:blip r:embed="rId3">
+            <a:extLst>
+              <a:ext uri="{28A0092B-C50C-407E-A947-70E740481C1C}">
+                <a14:useLocalDpi xmlns:a14="http://schemas.microsoft.com/office/drawing/2010/main" val="0"/>
+              </a:ext>
+            </a:extLst>
+          </a:blip>
+          <a:stretch>
+            <a:fillRect/>
+          </a:stretch>
+        </p:blipFill>
+        <p:spPr>
+          <a:xfrm>
+            <a:off x="1551377" y="5155634"/>
+            <a:ext cx="3236824" cy="1702364"/>
+          </a:xfrm>
+          <a:prstGeom prst="rect">
+            <a:avLst/>
+          </a:prstGeom>
+        </p:spPr>
+      </p:pic>
+      <p:sp>
+        <p:nvSpPr>
+          <p:cNvPr id="16" name="Rectangle 15">
+            <a:extLst>
+              <a:ext uri="{FF2B5EF4-FFF2-40B4-BE49-F238E27FC236}">
+                <a16:creationId xmlns:a16="http://schemas.microsoft.com/office/drawing/2014/main" id="{315C5202-06F6-41F6-B109-AC4A38A6439C}"/>
+              </a:ext>
+            </a:extLst>
+          </p:cNvPr>
+          <p:cNvSpPr/>
+          <p:nvPr/>
+        </p:nvSpPr>
+        <p:spPr>
+          <a:xfrm>
+            <a:off x="-38346" y="3955305"/>
+            <a:ext cx="6074763" cy="1200329"/>
+          </a:xfrm>
+          <a:prstGeom prst="rect">
+            <a:avLst/>
+          </a:prstGeom>
+          <a:noFill/>
+          <a:ln>
+            <a:noFill/>
+          </a:ln>
+        </p:spPr>
+        <p:txBody>
+          <a:bodyPr wrap="square">
+            <a:spAutoFit/>
+          </a:bodyPr>
+          <a:lstStyle/>
+          <a:p>
+            <a:pPr algn="ctr"/>
+            <a:r>
+              <a:rPr lang="fr-FR" dirty="0">
+                <a:solidFill>
+                  <a:schemeClr val="bg1"/>
+                </a:solidFill>
+                <a:latin typeface="Poppins"/>
+              </a:rPr>
+              <a:t>Lors de ce projet nous devions procéder par groupe de deux et nous avons utilisés le langage de programmation de pages web HTML 5 et le langage de programmation de style CSS 3.</a:t>
+            </a:r>
+            <a:endParaRPr lang="fr-FR" b="1" u="sng" dirty="0">
+              <a:solidFill>
+                <a:schemeClr val="bg1"/>
+              </a:solidFill>
+            </a:endParaRPr>
+          </a:p>
+        </p:txBody>
+      </p:sp>
+      <p:pic>
+        <p:nvPicPr>
+          <p:cNvPr id="17" name="Image 16">
+            <a:extLst>
+              <a:ext uri="{FF2B5EF4-FFF2-40B4-BE49-F238E27FC236}">
+                <a16:creationId xmlns:a16="http://schemas.microsoft.com/office/drawing/2014/main" id="{FC431301-4AE8-478F-B483-CD75A2D3E7C8}"/>
+              </a:ext>
+            </a:extLst>
+          </p:cNvPr>
+          <p:cNvPicPr>
+            <a:picLocks noChangeAspect="1"/>
+          </p:cNvPicPr>
+          <p:nvPr/>
+        </p:nvPicPr>
+        <p:blipFill>
+          <a:blip r:embed="rId4"/>
+          <a:stretch>
+            <a:fillRect/>
+          </a:stretch>
+        </p:blipFill>
+        <p:spPr>
+          <a:xfrm>
+            <a:off x="6129477" y="4022594"/>
+            <a:ext cx="6031706" cy="2789683"/>
+          </a:xfrm>
+          <a:prstGeom prst="rect">
+            <a:avLst/>
+          </a:prstGeom>
+        </p:spPr>
+      </p:pic>
+      <p:sp>
+        <p:nvSpPr>
+          <p:cNvPr id="19" name="Rectangle 18">
+            <a:extLst>
+              <a:ext uri="{FF2B5EF4-FFF2-40B4-BE49-F238E27FC236}">
+                <a16:creationId xmlns:a16="http://schemas.microsoft.com/office/drawing/2014/main" id="{2ACEFF6A-0D3B-474C-93A6-1C9ABEEFCEB8}"/>
+              </a:ext>
+            </a:extLst>
+          </p:cNvPr>
+          <p:cNvSpPr/>
+          <p:nvPr/>
+        </p:nvSpPr>
+        <p:spPr>
+          <a:xfrm>
+            <a:off x="6071518" y="1350741"/>
+            <a:ext cx="6074763" cy="1477328"/>
+          </a:xfrm>
+          <a:prstGeom prst="rect">
+            <a:avLst/>
+          </a:prstGeom>
+          <a:noFill/>
+          <a:ln>
+            <a:noFill/>
+          </a:ln>
+        </p:spPr>
+        <p:txBody>
+          <a:bodyPr wrap="square">
+            <a:spAutoFit/>
+          </a:bodyPr>
+          <a:lstStyle/>
+          <a:p>
+            <a:pPr algn="ctr"/>
+            <a:r>
+              <a:rPr lang="fr-FR" dirty="0">
+                <a:solidFill>
+                  <a:schemeClr val="bg1"/>
+                </a:solidFill>
+                <a:latin typeface="Poppins"/>
+              </a:rPr>
+              <a:t>Au cours de ce projet nous avons acquis des compétences en réalisation de site WEB, notamment lors de la réalisation des animations sur chacun des boutons cliquable des différentes pages et un </a:t>
+            </a:r>
+            <a:r>
+              <a:rPr lang="fr-FR">
+                <a:solidFill>
+                  <a:schemeClr val="bg1"/>
+                </a:solidFill>
+                <a:latin typeface="Poppins"/>
+              </a:rPr>
+              <a:t>formulaire simple.</a:t>
+            </a:r>
+            <a:endParaRPr lang="fr-FR" b="1" u="sng" dirty="0">
+              <a:solidFill>
+                <a:schemeClr val="bg1"/>
+              </a:solidFill>
+            </a:endParaRPr>
           </a:p>
         </p:txBody>
       </p:sp>
